--- a/SHACoRS.pptx
+++ b/SHACoRS.pptx
@@ -8,8 +8,9 @@
     <p:sldId id="256" r:id="rId2"/>
     <p:sldId id="260" r:id="rId3"/>
     <p:sldId id="258" r:id="rId4"/>
-    <p:sldId id="259" r:id="rId5"/>
-    <p:sldId id="261" r:id="rId6"/>
+    <p:sldId id="262" r:id="rId5"/>
+    <p:sldId id="259" r:id="rId6"/>
+    <p:sldId id="261" r:id="rId7"/>
   </p:sldIdLst>
   <p:sldSz cx="12192000" cy="6858000"/>
   <p:notesSz cx="6858000" cy="9144000"/>
@@ -303,7 +304,7 @@
           <a:p>
             <a:fld id="{64926E3C-3190-4744-93A5-A933C20F20C4}" type="datetimeFigureOut">
               <a:rPr lang="es-AR" smtClean="0"/>
-              <a:t>7/11/2017</a:t>
+              <a:t>10/11/2017</a:t>
             </a:fld>
             <a:endParaRPr lang="es-AR"/>
           </a:p>
@@ -578,7 +579,7 @@
           <a:p>
             <a:fld id="{64926E3C-3190-4744-93A5-A933C20F20C4}" type="datetimeFigureOut">
               <a:rPr lang="es-AR" smtClean="0"/>
-              <a:t>7/11/2017</a:t>
+              <a:t>10/11/2017</a:t>
             </a:fld>
             <a:endParaRPr lang="es-AR"/>
           </a:p>
@@ -772,7 +773,7 @@
           <a:p>
             <a:fld id="{64926E3C-3190-4744-93A5-A933C20F20C4}" type="datetimeFigureOut">
               <a:rPr lang="es-AR" smtClean="0"/>
-              <a:t>7/11/2017</a:t>
+              <a:t>10/11/2017</a:t>
             </a:fld>
             <a:endParaRPr lang="es-AR"/>
           </a:p>
@@ -1040,7 +1041,7 @@
           <a:p>
             <a:fld id="{64926E3C-3190-4744-93A5-A933C20F20C4}" type="datetimeFigureOut">
               <a:rPr lang="es-AR" smtClean="0"/>
-              <a:t>7/11/2017</a:t>
+              <a:t>10/11/2017</a:t>
             </a:fld>
             <a:endParaRPr lang="es-AR"/>
           </a:p>
@@ -1372,7 +1373,7 @@
           <a:p>
             <a:fld id="{64926E3C-3190-4744-93A5-A933C20F20C4}" type="datetimeFigureOut">
               <a:rPr lang="es-AR" smtClean="0"/>
-              <a:t>7/11/2017</a:t>
+              <a:t>10/11/2017</a:t>
             </a:fld>
             <a:endParaRPr lang="es-AR"/>
           </a:p>
@@ -1982,7 +1983,7 @@
           <a:p>
             <a:fld id="{64926E3C-3190-4744-93A5-A933C20F20C4}" type="datetimeFigureOut">
               <a:rPr lang="es-AR" smtClean="0"/>
-              <a:t>7/11/2017</a:t>
+              <a:t>10/11/2017</a:t>
             </a:fld>
             <a:endParaRPr lang="es-AR"/>
           </a:p>
@@ -2829,7 +2830,7 @@
           <a:p>
             <a:fld id="{64926E3C-3190-4744-93A5-A933C20F20C4}" type="datetimeFigureOut">
               <a:rPr lang="es-AR" smtClean="0"/>
-              <a:t>7/11/2017</a:t>
+              <a:t>10/11/2017</a:t>
             </a:fld>
             <a:endParaRPr lang="es-AR"/>
           </a:p>
@@ -2999,7 +3000,7 @@
           <a:p>
             <a:fld id="{64926E3C-3190-4744-93A5-A933C20F20C4}" type="datetimeFigureOut">
               <a:rPr lang="es-AR" smtClean="0"/>
-              <a:t>7/11/2017</a:t>
+              <a:t>10/11/2017</a:t>
             </a:fld>
             <a:endParaRPr lang="es-AR"/>
           </a:p>
@@ -3179,7 +3180,7 @@
           <a:p>
             <a:fld id="{64926E3C-3190-4744-93A5-A933C20F20C4}" type="datetimeFigureOut">
               <a:rPr lang="es-AR" smtClean="0"/>
-              <a:t>7/11/2017</a:t>
+              <a:t>10/11/2017</a:t>
             </a:fld>
             <a:endParaRPr lang="es-AR"/>
           </a:p>
@@ -3349,7 +3350,7 @@
           <a:p>
             <a:fld id="{64926E3C-3190-4744-93A5-A933C20F20C4}" type="datetimeFigureOut">
               <a:rPr lang="es-AR" smtClean="0"/>
-              <a:t>7/11/2017</a:t>
+              <a:t>10/11/2017</a:t>
             </a:fld>
             <a:endParaRPr lang="es-AR"/>
           </a:p>
@@ -3593,7 +3594,7 @@
           <a:p>
             <a:fld id="{64926E3C-3190-4744-93A5-A933C20F20C4}" type="datetimeFigureOut">
               <a:rPr lang="es-AR" smtClean="0"/>
-              <a:t>7/11/2017</a:t>
+              <a:t>10/11/2017</a:t>
             </a:fld>
             <a:endParaRPr lang="es-AR"/>
           </a:p>
@@ -3885,7 +3886,7 @@
           <a:p>
             <a:fld id="{64926E3C-3190-4744-93A5-A933C20F20C4}" type="datetimeFigureOut">
               <a:rPr lang="es-AR" smtClean="0"/>
-              <a:t>7/11/2017</a:t>
+              <a:t>10/11/2017</a:t>
             </a:fld>
             <a:endParaRPr lang="es-AR"/>
           </a:p>
@@ -4323,7 +4324,7 @@
           <a:p>
             <a:fld id="{64926E3C-3190-4744-93A5-A933C20F20C4}" type="datetimeFigureOut">
               <a:rPr lang="es-AR" smtClean="0"/>
-              <a:t>7/11/2017</a:t>
+              <a:t>10/11/2017</a:t>
             </a:fld>
             <a:endParaRPr lang="es-AR"/>
           </a:p>
@@ -4441,7 +4442,7 @@
           <a:p>
             <a:fld id="{64926E3C-3190-4744-93A5-A933C20F20C4}" type="datetimeFigureOut">
               <a:rPr lang="es-AR" smtClean="0"/>
-              <a:t>7/11/2017</a:t>
+              <a:t>10/11/2017</a:t>
             </a:fld>
             <a:endParaRPr lang="es-AR"/>
           </a:p>
@@ -4536,7 +4537,7 @@
           <a:p>
             <a:fld id="{64926E3C-3190-4744-93A5-A933C20F20C4}" type="datetimeFigureOut">
               <a:rPr lang="es-AR" smtClean="0"/>
-              <a:t>7/11/2017</a:t>
+              <a:t>10/11/2017</a:t>
             </a:fld>
             <a:endParaRPr lang="es-AR"/>
           </a:p>
@@ -4815,7 +4816,7 @@
           <a:p>
             <a:fld id="{64926E3C-3190-4744-93A5-A933C20F20C4}" type="datetimeFigureOut">
               <a:rPr lang="es-AR" smtClean="0"/>
-              <a:t>7/11/2017</a:t>
+              <a:t>10/11/2017</a:t>
             </a:fld>
             <a:endParaRPr lang="es-AR"/>
           </a:p>
@@ -5090,7 +5091,7 @@
           <a:p>
             <a:fld id="{64926E3C-3190-4744-93A5-A933C20F20C4}" type="datetimeFigureOut">
               <a:rPr lang="es-AR" smtClean="0"/>
-              <a:t>7/11/2017</a:t>
+              <a:t>10/11/2017</a:t>
             </a:fld>
             <a:endParaRPr lang="es-AR"/>
           </a:p>
@@ -5519,7 +5520,7 @@
           <a:p>
             <a:fld id="{64926E3C-3190-4744-93A5-A933C20F20C4}" type="datetimeFigureOut">
               <a:rPr lang="es-AR" smtClean="0"/>
-              <a:t>7/11/2017</a:t>
+              <a:t>10/11/2017</a:t>
             </a:fld>
             <a:endParaRPr lang="es-AR"/>
           </a:p>
@@ -6087,15 +6088,33 @@
           <a:p>
             <a:pPr algn="ctr"/>
             <a:r>
-              <a:rPr lang="es-AR" dirty="0"/>
+              <a:rPr lang="es-AR" dirty="0">
+                <a:solidFill>
+                  <a:schemeClr val="tx2">
+                    <a:lumMod val="75000"/>
+                  </a:schemeClr>
+                </a:solidFill>
+              </a:rPr>
               <a:t>Pereira, Matías  -  Vallejo Juan Pablo  -  </a:t>
             </a:r>
             <a:r>
-              <a:rPr lang="es-AR" dirty="0" err="1"/>
+              <a:rPr lang="es-AR" dirty="0" err="1">
+                <a:solidFill>
+                  <a:schemeClr val="tx2">
+                    <a:lumMod val="75000"/>
+                  </a:schemeClr>
+                </a:solidFill>
+              </a:rPr>
               <a:t>Gassmann</a:t>
             </a:r>
             <a:r>
-              <a:rPr lang="es-AR" dirty="0"/>
+              <a:rPr lang="es-AR" dirty="0">
+                <a:solidFill>
+                  <a:schemeClr val="tx2">
+                    <a:lumMod val="75000"/>
+                  </a:schemeClr>
+                </a:solidFill>
+              </a:rPr>
               <a:t> Dustin  |  Redes 2017</a:t>
             </a:r>
           </a:p>
@@ -6185,7 +6204,7 @@
             </a:pPr>
             <a:r>
               <a:rPr lang="es-AR" dirty="0"/>
-              <a:t>La humedad es uno de los factores críticos cuando se trata de condiciones ideales para el correcto funcionamiento de los equipos que se encuentran en un Data Center, ya que un exceso de humedad puede provocar condensación en los aparatos eléctricos y generar cortocircuitos en los componentes electrónicos, o una baja humedad puede generar descargas electroestáticas que pueden llegar a dañar a los componentes.</a:t>
+              <a:t>La humedad es uno de los factores críticos cuando se trata de condiciones ideales para el correcto funcionamiento de los equipos que se encuentran en un Data Center, ya que un exceso de humedad puede provocar condensación en los aparatos eléctricos y generar cortocircuitos en los componentes electrónicos, o una baja humedad puede generar descargas estáticas que pueden llegar a dañar a los componentes.</a:t>
             </a:r>
           </a:p>
           <a:p>
@@ -6258,15 +6277,33 @@
           <a:p>
             <a:pPr algn="ctr"/>
             <a:r>
-              <a:rPr lang="es-AR" dirty="0"/>
+              <a:rPr lang="es-AR" dirty="0">
+                <a:solidFill>
+                  <a:schemeClr val="tx2">
+                    <a:lumMod val="75000"/>
+                  </a:schemeClr>
+                </a:solidFill>
+              </a:rPr>
               <a:t>Pereira, Matías  -  Vallejo Juan Pablo  -  </a:t>
             </a:r>
             <a:r>
-              <a:rPr lang="es-AR" dirty="0" err="1"/>
+              <a:rPr lang="es-AR" dirty="0" err="1">
+                <a:solidFill>
+                  <a:schemeClr val="tx2">
+                    <a:lumMod val="75000"/>
+                  </a:schemeClr>
+                </a:solidFill>
+              </a:rPr>
               <a:t>Gassmann</a:t>
             </a:r>
             <a:r>
-              <a:rPr lang="es-AR" dirty="0"/>
+              <a:rPr lang="es-AR" dirty="0">
+                <a:solidFill>
+                  <a:schemeClr val="tx2">
+                    <a:lumMod val="75000"/>
+                  </a:schemeClr>
+                </a:solidFill>
+              </a:rPr>
               <a:t> Dustin  |  Redes 2017</a:t>
             </a:r>
           </a:p>
@@ -6320,7 +6357,7 @@
         </p:nvSpPr>
         <p:spPr>
           <a:xfrm>
-            <a:off x="129274" y="1858753"/>
+            <a:off x="0" y="1978324"/>
             <a:ext cx="11373611" cy="1349559"/>
           </a:xfrm>
         </p:spPr>
@@ -6329,7 +6366,7 @@
           <a:lstStyle/>
           <a:p>
             <a:r>
-              <a:rPr lang="es-AR" sz="2400" dirty="0"/>
+              <a:rPr lang="es-AR" sz="2000" dirty="0"/>
               <a:t>El dispositivo está desarrollado con una placa Arduino UNO v3 y diferentes módulos:</a:t>
             </a:r>
           </a:p>
@@ -6349,7 +6386,7 @@
         </p:nvSpPr>
         <p:spPr>
           <a:xfrm>
-            <a:off x="2997839" y="2265495"/>
+            <a:off x="2997839" y="2351903"/>
             <a:ext cx="5636479" cy="1908215"/>
           </a:xfrm>
           <a:prstGeom prst="rect">
@@ -6467,7 +6504,7 @@
             <a:pPr algn="just"/>
             <a:r>
               <a:rPr lang="es-AR" dirty="0"/>
-              <a:t>Se realizan mediciones de la humedad cada 10 segundos y se la muestra por el display, se verifica que el valor obtenido se encuentre dentro del rango establecido, de no ser así el sistema dispara una alerta que se envía por SMS a un numero celular precargado informando si la humedad actual se encuentra por debajo o por encima del rango establecido.</a:t>
+              <a:t>Se realizan mediciones de la humedad cada 60 segundos y se la muestra por el display, se verifica que el valor obtenido se encuentre dentro del rango establecido, de no ser así el sistema dispara una alerta que se envía por SMS a un numero celular precargado informando si la humedad actual se encuentra por debajo o por encima del rango establecido.</a:t>
             </a:r>
           </a:p>
           <a:p>
@@ -6500,8 +6537,8 @@
         </p:nvSpPr>
         <p:spPr>
           <a:xfrm>
-            <a:off x="0" y="42871"/>
-            <a:ext cx="10495722" cy="1815882"/>
+            <a:off x="0" y="680296"/>
+            <a:ext cx="10495722" cy="1200329"/>
           </a:xfrm>
           <a:prstGeom prst="rect">
             <a:avLst/>
@@ -6516,7 +6553,7 @@
           <a:p>
             <a:pPr algn="just"/>
             <a:r>
-              <a:rPr lang="es-AR" sz="2800" dirty="0"/>
+              <a:rPr lang="es-AR" sz="2400" dirty="0"/>
               <a:t>Dispositivo para censar, almacenar y notificar vía SMS la humedad actual en un ambiente controlable, como por ejemplo un Data Center, y reprogramable de forma remota mediante SMS. </a:t>
             </a:r>
           </a:p>
@@ -6552,16 +6589,69 @@
           <a:p>
             <a:pPr algn="ctr"/>
             <a:r>
-              <a:rPr lang="es-AR" dirty="0"/>
+              <a:rPr lang="es-AR" dirty="0">
+                <a:solidFill>
+                  <a:schemeClr val="tx2">
+                    <a:lumMod val="75000"/>
+                  </a:schemeClr>
+                </a:solidFill>
+              </a:rPr>
               <a:t>Pereira, Matías  -  Vallejo Juan Pablo  -  </a:t>
             </a:r>
             <a:r>
-              <a:rPr lang="es-AR" dirty="0" err="1"/>
+              <a:rPr lang="es-AR" dirty="0" err="1">
+                <a:solidFill>
+                  <a:schemeClr val="tx2">
+                    <a:lumMod val="75000"/>
+                  </a:schemeClr>
+                </a:solidFill>
+              </a:rPr>
               <a:t>Gassmann</a:t>
             </a:r>
             <a:r>
-              <a:rPr lang="es-AR" dirty="0"/>
+              <a:rPr lang="es-AR" dirty="0">
+                <a:solidFill>
+                  <a:schemeClr val="tx2">
+                    <a:lumMod val="75000"/>
+                  </a:schemeClr>
+                </a:solidFill>
+              </a:rPr>
               <a:t> Dustin  |  Redes 2017</a:t>
+            </a:r>
+          </a:p>
+        </p:txBody>
+      </p:sp>
+      <p:sp>
+        <p:nvSpPr>
+          <p:cNvPr id="3" name="CuadroTexto 2">
+            <a:extLst>
+              <a:ext uri="{FF2B5EF4-FFF2-40B4-BE49-F238E27FC236}">
+                <a16:creationId xmlns:a16="http://schemas.microsoft.com/office/drawing/2014/main" id="{4F417A0A-BA39-4826-A843-5D0B412259FD}"/>
+              </a:ext>
+            </a:extLst>
+          </p:cNvPr>
+          <p:cNvSpPr txBox="1"/>
+          <p:nvPr/>
+        </p:nvSpPr>
+        <p:spPr>
+          <a:xfrm>
+            <a:off x="0" y="71470"/>
+            <a:ext cx="1858201" cy="584775"/>
+          </a:xfrm>
+          <a:prstGeom prst="rect">
+            <a:avLst/>
+          </a:prstGeom>
+          <a:noFill/>
+        </p:spPr>
+        <p:txBody>
+          <a:bodyPr wrap="none" rtlCol="0">
+            <a:spAutoFit/>
+          </a:bodyPr>
+          <a:lstStyle/>
+          <a:p>
+            <a:r>
+              <a:rPr lang="es-AR" sz="3200" dirty="0"/>
+              <a:t>Solución</a:t>
             </a:r>
           </a:p>
         </p:txBody>
@@ -6598,89 +6688,10 @@
       </p:grpSpPr>
       <p:sp>
         <p:nvSpPr>
-          <p:cNvPr id="2" name="Título 1">
+          <p:cNvPr id="7" name="CuadroTexto 6">
             <a:extLst>
               <a:ext uri="{FF2B5EF4-FFF2-40B4-BE49-F238E27FC236}">
-                <a16:creationId xmlns:a16="http://schemas.microsoft.com/office/drawing/2014/main" id="{05AFDCE3-30FD-47BD-8028-2D5172F944B3}"/>
-              </a:ext>
-            </a:extLst>
-          </p:cNvPr>
-          <p:cNvSpPr>
-            <a:spLocks noGrp="1"/>
-          </p:cNvSpPr>
-          <p:nvPr>
-            <p:ph type="title"/>
-          </p:nvPr>
-        </p:nvSpPr>
-        <p:spPr>
-          <a:xfrm>
-            <a:off x="0" y="0"/>
-            <a:ext cx="9404723" cy="1086678"/>
-          </a:xfrm>
-        </p:spPr>
-        <p:txBody>
-          <a:bodyPr/>
-          <a:lstStyle/>
-          <a:p>
-            <a:r>
-              <a:rPr lang="es-AR" dirty="0"/>
-              <a:t>Versiones Futuras</a:t>
-            </a:r>
-          </a:p>
-        </p:txBody>
-      </p:sp>
-      <p:sp>
-        <p:nvSpPr>
-          <p:cNvPr id="3" name="Marcador de contenido 2">
-            <a:extLst>
-              <a:ext uri="{FF2B5EF4-FFF2-40B4-BE49-F238E27FC236}">
-                <a16:creationId xmlns:a16="http://schemas.microsoft.com/office/drawing/2014/main" id="{E134E760-F059-4417-9BF0-95D6EDF9E744}"/>
-              </a:ext>
-            </a:extLst>
-          </p:cNvPr>
-          <p:cNvSpPr>
-            <a:spLocks noGrp="1"/>
-          </p:cNvSpPr>
-          <p:nvPr>
-            <p:ph idx="1"/>
-          </p:nvPr>
-        </p:nvSpPr>
-        <p:spPr>
-          <a:xfrm>
-            <a:off x="122652" y="1086678"/>
-            <a:ext cx="11897070" cy="5009322"/>
-          </a:xfrm>
-        </p:spPr>
-        <p:txBody>
-          <a:bodyPr>
-            <a:normAutofit/>
-          </a:bodyPr>
-          <a:lstStyle/>
-          <a:p>
-            <a:pPr algn="just"/>
-            <a:r>
-              <a:rPr lang="es-AR" sz="2800" dirty="0"/>
-              <a:t>Mediante los componentes y tecnologías utilizadas, este sistema cuenta con una gran potencia de escalabilidad y expansión de sus funciones. Como puede ser la inclusión de un modulo que realice las mediciones de temperaturas para tener la mayor cantidad de variables controladas en el ambiente.</a:t>
-            </a:r>
-          </a:p>
-          <a:p>
-            <a:pPr algn="just"/>
-            <a:r>
-              <a:rPr lang="es-AR" sz="2800" dirty="0"/>
-              <a:t>Realizar la monitorización remota en directo mediante una aplicación web y/o aplicación móvil, previa autenticación, en la que se observen los datos actuales en cualquier momento, como así también datos históricos para consultar que grado de humedad y temperatura se registraron en determinado día a determinada hora.</a:t>
-            </a:r>
-          </a:p>
-          <a:p>
-            <a:endParaRPr lang="es-AR" dirty="0"/>
-          </a:p>
-        </p:txBody>
-      </p:sp>
-      <p:sp>
-        <p:nvSpPr>
-          <p:cNvPr id="4" name="CuadroTexto 3">
-            <a:extLst>
-              <a:ext uri="{FF2B5EF4-FFF2-40B4-BE49-F238E27FC236}">
-                <a16:creationId xmlns:a16="http://schemas.microsoft.com/office/drawing/2014/main" id="{6C41AC50-64C2-4865-A6C7-C901E12A8F25}"/>
+                <a16:creationId xmlns:a16="http://schemas.microsoft.com/office/drawing/2014/main" id="{BFAF4C02-A8FC-4BC0-87EB-DA8455731959}"/>
               </a:ext>
             </a:extLst>
           </p:cNvPr>
@@ -6705,24 +6716,294 @@
           <a:p>
             <a:pPr algn="ctr"/>
             <a:r>
-              <a:rPr lang="es-AR" dirty="0"/>
+              <a:rPr lang="es-AR" dirty="0">
+                <a:solidFill>
+                  <a:schemeClr val="tx2">
+                    <a:lumMod val="75000"/>
+                  </a:schemeClr>
+                </a:solidFill>
+              </a:rPr>
               <a:t>Pereira, Matías  -  Vallejo Juan Pablo  -  </a:t>
             </a:r>
             <a:r>
-              <a:rPr lang="es-AR" dirty="0" err="1"/>
+              <a:rPr lang="es-AR" dirty="0" err="1">
+                <a:solidFill>
+                  <a:schemeClr val="tx2">
+                    <a:lumMod val="75000"/>
+                  </a:schemeClr>
+                </a:solidFill>
+              </a:rPr>
               <a:t>Gassmann</a:t>
             </a:r>
             <a:r>
-              <a:rPr lang="es-AR" dirty="0"/>
+              <a:rPr lang="es-AR" dirty="0">
+                <a:solidFill>
+                  <a:schemeClr val="tx2">
+                    <a:lumMod val="75000"/>
+                  </a:schemeClr>
+                </a:solidFill>
+              </a:rPr>
               <a:t> Dustin  |  Redes 2017</a:t>
             </a:r>
           </a:p>
         </p:txBody>
       </p:sp>
+      <p:sp>
+        <p:nvSpPr>
+          <p:cNvPr id="3" name="CuadroTexto 2">
+            <a:extLst>
+              <a:ext uri="{FF2B5EF4-FFF2-40B4-BE49-F238E27FC236}">
+                <a16:creationId xmlns:a16="http://schemas.microsoft.com/office/drawing/2014/main" id="{E7AD9FD1-2F87-44B3-ABC8-7B495C123418}"/>
+              </a:ext>
+            </a:extLst>
+          </p:cNvPr>
+          <p:cNvSpPr txBox="1"/>
+          <p:nvPr/>
+        </p:nvSpPr>
+        <p:spPr>
+          <a:xfrm>
+            <a:off x="331303" y="1099931"/>
+            <a:ext cx="6800260" cy="3046988"/>
+          </a:xfrm>
+          <a:prstGeom prst="rect">
+            <a:avLst/>
+          </a:prstGeom>
+          <a:noFill/>
+        </p:spPr>
+        <p:txBody>
+          <a:bodyPr wrap="none" rtlCol="0">
+            <a:spAutoFit/>
+          </a:bodyPr>
+          <a:lstStyle/>
+          <a:p>
+            <a:pPr marL="285750" indent="-285750">
+              <a:buClr>
+                <a:schemeClr val="accent1"/>
+              </a:buClr>
+              <a:buFont typeface="Arial" panose="020B0604020202020204" pitchFamily="34" charset="0"/>
+              <a:buChar char="•"/>
+            </a:pPr>
+            <a:r>
+              <a:rPr lang="es-AR" sz="3200" dirty="0"/>
+              <a:t>Bodegas</a:t>
+            </a:r>
+          </a:p>
+          <a:p>
+            <a:pPr marL="285750" indent="-285750">
+              <a:buClr>
+                <a:schemeClr val="accent1"/>
+              </a:buClr>
+              <a:buFont typeface="Arial" panose="020B0604020202020204" pitchFamily="34" charset="0"/>
+              <a:buChar char="•"/>
+            </a:pPr>
+            <a:r>
+              <a:rPr lang="es-AR" sz="3200" dirty="0"/>
+              <a:t>Invernaderos</a:t>
+            </a:r>
+          </a:p>
+          <a:p>
+            <a:pPr marL="285750" indent="-285750">
+              <a:buClr>
+                <a:schemeClr val="accent1"/>
+              </a:buClr>
+              <a:buFont typeface="Arial" panose="020B0604020202020204" pitchFamily="34" charset="0"/>
+              <a:buChar char="•"/>
+            </a:pPr>
+            <a:r>
+              <a:rPr lang="es-AR" sz="3200" dirty="0"/>
+              <a:t>Cámaras Frigoríficas Específicas</a:t>
+            </a:r>
+          </a:p>
+          <a:p>
+            <a:pPr marL="285750" indent="-285750">
+              <a:buClr>
+                <a:schemeClr val="accent1"/>
+              </a:buClr>
+              <a:buFont typeface="Arial" panose="020B0604020202020204" pitchFamily="34" charset="0"/>
+              <a:buChar char="•"/>
+            </a:pPr>
+            <a:r>
+              <a:rPr lang="es-AR" sz="3200" dirty="0"/>
+              <a:t>Cámaras de Maduración</a:t>
+            </a:r>
+          </a:p>
+          <a:p>
+            <a:pPr marL="285750" indent="-285750">
+              <a:buClr>
+                <a:schemeClr val="accent1"/>
+              </a:buClr>
+              <a:buFont typeface="Arial" panose="020B0604020202020204" pitchFamily="34" charset="0"/>
+              <a:buChar char="•"/>
+            </a:pPr>
+            <a:r>
+              <a:rPr lang="es-AR" sz="3200" dirty="0"/>
+              <a:t>Almacenes de Semillas</a:t>
+            </a:r>
+          </a:p>
+          <a:p>
+            <a:pPr marL="285750" indent="-285750">
+              <a:buClr>
+                <a:schemeClr val="accent1"/>
+              </a:buClr>
+              <a:buFont typeface="Arial" panose="020B0604020202020204" pitchFamily="34" charset="0"/>
+              <a:buChar char="•"/>
+            </a:pPr>
+            <a:r>
+              <a:rPr lang="es-AR" sz="3200" dirty="0"/>
+              <a:t>Incubadoras</a:t>
+            </a:r>
+          </a:p>
+        </p:txBody>
+      </p:sp>
+      <p:sp>
+        <p:nvSpPr>
+          <p:cNvPr id="9" name="Título 8">
+            <a:extLst>
+              <a:ext uri="{FF2B5EF4-FFF2-40B4-BE49-F238E27FC236}">
+                <a16:creationId xmlns:a16="http://schemas.microsoft.com/office/drawing/2014/main" id="{9A3DED41-2E55-4EB7-BEF1-99A5E9A11AE6}"/>
+              </a:ext>
+            </a:extLst>
+          </p:cNvPr>
+          <p:cNvSpPr>
+            <a:spLocks noGrp="1"/>
+          </p:cNvSpPr>
+          <p:nvPr>
+            <p:ph type="title"/>
+          </p:nvPr>
+        </p:nvSpPr>
+        <p:spPr>
+          <a:xfrm>
+            <a:off x="128328" y="78676"/>
+            <a:ext cx="9404723" cy="1400530"/>
+          </a:xfrm>
+        </p:spPr>
+        <p:txBody>
+          <a:bodyPr/>
+          <a:lstStyle/>
+          <a:p>
+            <a:r>
+              <a:rPr lang="es-AR" sz="4400" dirty="0"/>
+              <a:t>Otras Aplicaciones</a:t>
+            </a:r>
+            <a:br>
+              <a:rPr lang="es-AR" sz="4400" dirty="0"/>
+            </a:br>
+            <a:endParaRPr lang="es-AR" dirty="0"/>
+          </a:p>
+        </p:txBody>
+      </p:sp>
+      <p:pic>
+        <p:nvPicPr>
+          <p:cNvPr id="11" name="Imagen 10">
+            <a:extLst>
+              <a:ext uri="{FF2B5EF4-FFF2-40B4-BE49-F238E27FC236}">
+                <a16:creationId xmlns:a16="http://schemas.microsoft.com/office/drawing/2014/main" id="{BBAC70CD-0D44-4B8D-BFE4-3A4C7DFA174D}"/>
+              </a:ext>
+            </a:extLst>
+          </p:cNvPr>
+          <p:cNvPicPr>
+            <a:picLocks noChangeAspect="1"/>
+          </p:cNvPicPr>
+          <p:nvPr/>
+        </p:nvPicPr>
+        <p:blipFill>
+          <a:blip r:embed="rId2">
+            <a:extLst>
+              <a:ext uri="{28A0092B-C50C-407E-A947-70E740481C1C}">
+                <a14:useLocalDpi xmlns:a14="http://schemas.microsoft.com/office/drawing/2010/main" val="0"/>
+              </a:ext>
+            </a:extLst>
+          </a:blip>
+          <a:stretch>
+            <a:fillRect/>
+          </a:stretch>
+        </p:blipFill>
+        <p:spPr>
+          <a:xfrm>
+            <a:off x="7836773" y="1099931"/>
+            <a:ext cx="3392556" cy="2397406"/>
+          </a:xfrm>
+          <a:prstGeom prst="rect">
+            <a:avLst/>
+          </a:prstGeom>
+        </p:spPr>
+      </p:pic>
+      <p:pic>
+        <p:nvPicPr>
+          <p:cNvPr id="13" name="Imagen 12">
+            <a:extLst>
+              <a:ext uri="{FF2B5EF4-FFF2-40B4-BE49-F238E27FC236}">
+                <a16:creationId xmlns:a16="http://schemas.microsoft.com/office/drawing/2014/main" id="{92FCEAF8-AD02-44ED-8D6B-6174F5D64A8D}"/>
+              </a:ext>
+            </a:extLst>
+          </p:cNvPr>
+          <p:cNvPicPr>
+            <a:picLocks noChangeAspect="1"/>
+          </p:cNvPicPr>
+          <p:nvPr/>
+        </p:nvPicPr>
+        <p:blipFill>
+          <a:blip r:embed="rId3">
+            <a:extLst>
+              <a:ext uri="{28A0092B-C50C-407E-A947-70E740481C1C}">
+                <a14:useLocalDpi xmlns:a14="http://schemas.microsoft.com/office/drawing/2010/main" val="0"/>
+              </a:ext>
+            </a:extLst>
+          </a:blip>
+          <a:stretch>
+            <a:fillRect/>
+          </a:stretch>
+        </p:blipFill>
+        <p:spPr>
+          <a:xfrm>
+            <a:off x="5938356" y="3820955"/>
+            <a:ext cx="3392557" cy="2544418"/>
+          </a:xfrm>
+          <a:prstGeom prst="rect">
+            <a:avLst/>
+          </a:prstGeom>
+        </p:spPr>
+      </p:pic>
+      <p:pic>
+        <p:nvPicPr>
+          <p:cNvPr id="15" name="Imagen 14">
+            <a:extLst>
+              <a:ext uri="{FF2B5EF4-FFF2-40B4-BE49-F238E27FC236}">
+                <a16:creationId xmlns:a16="http://schemas.microsoft.com/office/drawing/2014/main" id="{3B85752A-CD34-45E2-A2FE-2B67160D7793}"/>
+              </a:ext>
+            </a:extLst>
+          </p:cNvPr>
+          <p:cNvPicPr>
+            <a:picLocks noChangeAspect="1"/>
+          </p:cNvPicPr>
+          <p:nvPr/>
+        </p:nvPicPr>
+        <p:blipFill>
+          <a:blip r:embed="rId4">
+            <a:extLst>
+              <a:ext uri="{28A0092B-C50C-407E-A947-70E740481C1C}">
+                <a14:useLocalDpi xmlns:a14="http://schemas.microsoft.com/office/drawing/2010/main" val="0"/>
+              </a:ext>
+            </a:extLst>
+          </a:blip>
+          <a:stretch>
+            <a:fillRect/>
+          </a:stretch>
+        </p:blipFill>
+        <p:spPr>
+          <a:xfrm>
+            <a:off x="745849" y="4107418"/>
+            <a:ext cx="4286250" cy="2381250"/>
+          </a:xfrm>
+          <a:prstGeom prst="rect">
+            <a:avLst/>
+          </a:prstGeom>
+        </p:spPr>
+      </p:pic>
     </p:spTree>
     <p:extLst>
       <p:ext uri="{BB962C8B-B14F-4D97-AF65-F5344CB8AC3E}">
-        <p14:creationId xmlns:p14="http://schemas.microsoft.com/office/powerpoint/2010/main" val="2439196020"/>
+        <p14:creationId xmlns:p14="http://schemas.microsoft.com/office/powerpoint/2010/main" val="1912869947"/>
       </p:ext>
     </p:extLst>
   </p:cSld>
@@ -6754,6 +7035,177 @@
           <p:cNvPr id="2" name="Título 1">
             <a:extLst>
               <a:ext uri="{FF2B5EF4-FFF2-40B4-BE49-F238E27FC236}">
+                <a16:creationId xmlns:a16="http://schemas.microsoft.com/office/drawing/2014/main" id="{05AFDCE3-30FD-47BD-8028-2D5172F944B3}"/>
+              </a:ext>
+            </a:extLst>
+          </p:cNvPr>
+          <p:cNvSpPr>
+            <a:spLocks noGrp="1"/>
+          </p:cNvSpPr>
+          <p:nvPr>
+            <p:ph type="title"/>
+          </p:nvPr>
+        </p:nvSpPr>
+        <p:spPr>
+          <a:xfrm>
+            <a:off x="0" y="0"/>
+            <a:ext cx="9404723" cy="1086678"/>
+          </a:xfrm>
+        </p:spPr>
+        <p:txBody>
+          <a:bodyPr/>
+          <a:lstStyle/>
+          <a:p>
+            <a:r>
+              <a:rPr lang="es-AR" dirty="0"/>
+              <a:t>Versiones Futuras</a:t>
+            </a:r>
+          </a:p>
+        </p:txBody>
+      </p:sp>
+      <p:sp>
+        <p:nvSpPr>
+          <p:cNvPr id="3" name="Marcador de contenido 2">
+            <a:extLst>
+              <a:ext uri="{FF2B5EF4-FFF2-40B4-BE49-F238E27FC236}">
+                <a16:creationId xmlns:a16="http://schemas.microsoft.com/office/drawing/2014/main" id="{E134E760-F059-4417-9BF0-95D6EDF9E744}"/>
+              </a:ext>
+            </a:extLst>
+          </p:cNvPr>
+          <p:cNvSpPr>
+            <a:spLocks noGrp="1"/>
+          </p:cNvSpPr>
+          <p:nvPr>
+            <p:ph idx="1"/>
+          </p:nvPr>
+        </p:nvSpPr>
+        <p:spPr>
+          <a:xfrm>
+            <a:off x="122652" y="1086678"/>
+            <a:ext cx="11897070" cy="5009322"/>
+          </a:xfrm>
+        </p:spPr>
+        <p:txBody>
+          <a:bodyPr>
+            <a:normAutofit/>
+          </a:bodyPr>
+          <a:lstStyle/>
+          <a:p>
+            <a:pPr algn="just"/>
+            <a:r>
+              <a:rPr lang="es-AR" sz="2800" dirty="0"/>
+              <a:t>Mediante los componentes y tecnologías utilizadas, este sistema cuenta con una gran potencia de escalabilidad y expansión de sus funciones. Como puede ser la inclusión de un modulo que realice las mediciones de temperaturas para tener la mayor cantidad de variables controladas en el ambiente.</a:t>
+            </a:r>
+          </a:p>
+          <a:p>
+            <a:pPr algn="just"/>
+            <a:r>
+              <a:rPr lang="es-AR" sz="2800" dirty="0"/>
+              <a:t>Realizar la monitorización remota en directo mediante una aplicación web y/o aplicación móvil, previa autenticación, en la que se observen los datos actuales en cualquier momento, como así también datos históricos para consultar que grado de humedad y temperatura se registraron en determinado día a determinada hora.</a:t>
+            </a:r>
+          </a:p>
+          <a:p>
+            <a:endParaRPr lang="es-AR" dirty="0"/>
+          </a:p>
+        </p:txBody>
+      </p:sp>
+      <p:sp>
+        <p:nvSpPr>
+          <p:cNvPr id="4" name="CuadroTexto 3">
+            <a:extLst>
+              <a:ext uri="{FF2B5EF4-FFF2-40B4-BE49-F238E27FC236}">
+                <a16:creationId xmlns:a16="http://schemas.microsoft.com/office/drawing/2014/main" id="{6C41AC50-64C2-4865-A6C7-C901E12A8F25}"/>
+              </a:ext>
+            </a:extLst>
+          </p:cNvPr>
+          <p:cNvSpPr txBox="1"/>
+          <p:nvPr/>
+        </p:nvSpPr>
+        <p:spPr>
+          <a:xfrm>
+            <a:off x="0" y="6488668"/>
+            <a:ext cx="12192000" cy="369332"/>
+          </a:xfrm>
+          <a:prstGeom prst="rect">
+            <a:avLst/>
+          </a:prstGeom>
+          <a:noFill/>
+        </p:spPr>
+        <p:txBody>
+          <a:bodyPr wrap="square" rtlCol="0">
+            <a:spAutoFit/>
+          </a:bodyPr>
+          <a:lstStyle/>
+          <a:p>
+            <a:pPr algn="ctr"/>
+            <a:r>
+              <a:rPr lang="es-AR" dirty="0">
+                <a:solidFill>
+                  <a:schemeClr val="tx2">
+                    <a:lumMod val="75000"/>
+                  </a:schemeClr>
+                </a:solidFill>
+              </a:rPr>
+              <a:t>Pereira, Matías  -  Vallejo Juan Pablo  -  </a:t>
+            </a:r>
+            <a:r>
+              <a:rPr lang="es-AR" dirty="0" err="1">
+                <a:solidFill>
+                  <a:schemeClr val="tx2">
+                    <a:lumMod val="75000"/>
+                  </a:schemeClr>
+                </a:solidFill>
+              </a:rPr>
+              <a:t>Gassmann</a:t>
+            </a:r>
+            <a:r>
+              <a:rPr lang="es-AR" dirty="0">
+                <a:solidFill>
+                  <a:schemeClr val="tx2">
+                    <a:lumMod val="75000"/>
+                  </a:schemeClr>
+                </a:solidFill>
+              </a:rPr>
+              <a:t> Dustin  |  Redes 2017</a:t>
+            </a:r>
+          </a:p>
+        </p:txBody>
+      </p:sp>
+    </p:spTree>
+    <p:extLst>
+      <p:ext uri="{BB962C8B-B14F-4D97-AF65-F5344CB8AC3E}">
+        <p14:creationId xmlns:p14="http://schemas.microsoft.com/office/powerpoint/2010/main" val="2439196020"/>
+      </p:ext>
+    </p:extLst>
+  </p:cSld>
+  <p:clrMapOvr>
+    <a:masterClrMapping/>
+  </p:clrMapOvr>
+</p:sld>
+</file>
+
+<file path=ppt/slides/slide6.xml><?xml version="1.0" encoding="utf-8"?>
+<p:sld xmlns:a="http://schemas.openxmlformats.org/drawingml/2006/main" xmlns:r="http://schemas.openxmlformats.org/officeDocument/2006/relationships" xmlns:p="http://schemas.openxmlformats.org/presentationml/2006/main">
+  <p:cSld>
+    <p:spTree>
+      <p:nvGrpSpPr>
+        <p:cNvPr id="1" name=""/>
+        <p:cNvGrpSpPr/>
+        <p:nvPr/>
+      </p:nvGrpSpPr>
+      <p:grpSpPr>
+        <a:xfrm>
+          <a:off x="0" y="0"/>
+          <a:ext cx="0" cy="0"/>
+          <a:chOff x="0" y="0"/>
+          <a:chExt cx="0" cy="0"/>
+        </a:xfrm>
+      </p:grpSpPr>
+      <p:sp>
+        <p:nvSpPr>
+          <p:cNvPr id="2" name="Título 1">
+            <a:extLst>
+              <a:ext uri="{FF2B5EF4-FFF2-40B4-BE49-F238E27FC236}">
                 <a16:creationId xmlns:a16="http://schemas.microsoft.com/office/drawing/2014/main" id="{C9F16AAC-628F-4955-B257-5FEF104994AF}"/>
               </a:ext>
             </a:extLst>
@@ -6875,15 +7327,33 @@
           <a:p>
             <a:pPr algn="ctr"/>
             <a:r>
-              <a:rPr lang="es-AR" dirty="0"/>
+              <a:rPr lang="es-AR" dirty="0">
+                <a:solidFill>
+                  <a:schemeClr val="tx2">
+                    <a:lumMod val="75000"/>
+                  </a:schemeClr>
+                </a:solidFill>
+              </a:rPr>
               <a:t>Pereira, Matías  -  Vallejo Juan Pablo  -  </a:t>
             </a:r>
             <a:r>
-              <a:rPr lang="es-AR" dirty="0" err="1"/>
+              <a:rPr lang="es-AR" dirty="0" err="1">
+                <a:solidFill>
+                  <a:schemeClr val="tx2">
+                    <a:lumMod val="75000"/>
+                  </a:schemeClr>
+                </a:solidFill>
+              </a:rPr>
               <a:t>Gassmann</a:t>
             </a:r>
             <a:r>
-              <a:rPr lang="es-AR" dirty="0"/>
+              <a:rPr lang="es-AR" dirty="0">
+                <a:solidFill>
+                  <a:schemeClr val="tx2">
+                    <a:lumMod val="75000"/>
+                  </a:schemeClr>
+                </a:solidFill>
+              </a:rPr>
               <a:t> Dustin  |  Redes 2017</a:t>
             </a:r>
           </a:p>
